--- a/Figuras/SBD.pptx
+++ b/Figuras/SBD.pptx
@@ -105,7 +105,56 @@
       </a:defRPr>
     </a:lvl9pPr>
   </p:defaultTextStyle>
+  <p:extLst>
+    <p:ext uri="{EFAFB233-063F-42B5-8137-9DF3F51BA10A}">
+      <p15:sldGuideLst xmlns:p15="http://schemas.microsoft.com/office/powerpoint/2012/main"/>
+    </p:ext>
+  </p:extLst>
 </p:presentation>
+</file>
+
+<file path=ppt/changesInfos/changesInfo1.xml><?xml version="1.0" encoding="utf-8"?>
+<pc:chgInfo xmlns:a="http://schemas.openxmlformats.org/drawingml/2006/main" xmlns:r="http://schemas.openxmlformats.org/officeDocument/2006/relationships" xmlns:ac="http://schemas.microsoft.com/office/drawing/2013/main/command" xmlns:pc="http://schemas.microsoft.com/office/powerpoint/2013/main/command">
+  <pc:docChgLst>
+    <pc:chgData name="Ricardo de Souza" userId="96a52e1fd73dae03" providerId="LiveId" clId="{7AFFD105-4530-4FF2-88C8-0642D4E2DC73}"/>
+    <pc:docChg chg="undo custSel modSld">
+      <pc:chgData name="Ricardo de Souza" userId="96a52e1fd73dae03" providerId="LiveId" clId="{7AFFD105-4530-4FF2-88C8-0642D4E2DC73}" dt="2023-11-10T22:08:12.769" v="10" actId="20577"/>
+      <pc:docMkLst>
+        <pc:docMk/>
+      </pc:docMkLst>
+      <pc:sldChg chg="modSp mod">
+        <pc:chgData name="Ricardo de Souza" userId="96a52e1fd73dae03" providerId="LiveId" clId="{7AFFD105-4530-4FF2-88C8-0642D4E2DC73}" dt="2023-11-10T22:07:13.560" v="0" actId="207"/>
+        <pc:sldMkLst>
+          <pc:docMk/>
+          <pc:sldMk cId="3573358756" sldId="257"/>
+        </pc:sldMkLst>
+        <pc:spChg chg="mod">
+          <ac:chgData name="Ricardo de Souza" userId="96a52e1fd73dae03" providerId="LiveId" clId="{7AFFD105-4530-4FF2-88C8-0642D4E2DC73}" dt="2023-11-10T22:07:13.560" v="0" actId="207"/>
+          <ac:spMkLst>
+            <pc:docMk/>
+            <pc:sldMk cId="3573358756" sldId="257"/>
+            <ac:spMk id="49" creationId="{144EB999-AE9C-720B-8C2C-F0D4B603823A}"/>
+          </ac:spMkLst>
+        </pc:spChg>
+      </pc:sldChg>
+      <pc:sldChg chg="modSp mod">
+        <pc:chgData name="Ricardo de Souza" userId="96a52e1fd73dae03" providerId="LiveId" clId="{7AFFD105-4530-4FF2-88C8-0642D4E2DC73}" dt="2023-11-10T22:08:12.769" v="10" actId="20577"/>
+        <pc:sldMkLst>
+          <pc:docMk/>
+          <pc:sldMk cId="3133055350" sldId="258"/>
+        </pc:sldMkLst>
+        <pc:spChg chg="mod">
+          <ac:chgData name="Ricardo de Souza" userId="96a52e1fd73dae03" providerId="LiveId" clId="{7AFFD105-4530-4FF2-88C8-0642D4E2DC73}" dt="2023-11-10T22:08:12.769" v="10" actId="20577"/>
+          <ac:spMkLst>
+            <pc:docMk/>
+            <pc:sldMk cId="3133055350" sldId="258"/>
+            <ac:spMk id="2" creationId="{6B418DC4-3B02-53E7-7F60-383F9B05A5B3}"/>
+          </ac:spMkLst>
+        </pc:spChg>
+      </pc:sldChg>
+    </pc:docChg>
+  </pc:docChgLst>
+</pc:chgInfo>
 </file>
 
 <file path=ppt/slideLayouts/slideLayout1.xml><?xml version="1.0" encoding="utf-8"?>
@@ -4481,8 +4530,8 @@
             <a:avLst/>
           </a:prstGeom>
           <a:solidFill>
-            <a:schemeClr val="accent4">
-              <a:lumMod val="50000"/>
+            <a:schemeClr val="accent6">
+              <a:lumMod val="75000"/>
             </a:schemeClr>
           </a:solidFill>
         </p:spPr>
@@ -4703,7 +4752,7 @@
         </p:nvSpPr>
         <p:spPr>
           <a:xfrm>
-            <a:off x="308472" y="3059668"/>
+            <a:off x="195456" y="2158118"/>
             <a:ext cx="2269475" cy="707886"/>
           </a:xfrm>
           <a:prstGeom prst="rect">

--- a/Figuras/SBD.pptx
+++ b/Figuras/SBD.pptx
@@ -113,23 +113,31 @@
 </p:presentation>
 </file>
 
+<file path=ppt/revisionInfo.xml><?xml version="1.0" encoding="utf-8"?>
+<p1510:revInfo xmlns:a="http://schemas.openxmlformats.org/drawingml/2006/main" xmlns:r="http://schemas.openxmlformats.org/officeDocument/2006/relationships" xmlns:p1510="http://schemas.microsoft.com/office/powerpoint/2015/10/main">
+  <p1510:revLst>
+    <p1510:client id="{7AFFD105-4530-4FF2-88C8-0642D4E2DC73}" v="4" dt="2023-11-13T11:20:08.765"/>
+  </p1510:revLst>
+</p1510:revInfo>
+</file>
+
 <file path=ppt/changesInfos/changesInfo1.xml><?xml version="1.0" encoding="utf-8"?>
 <pc:chgInfo xmlns:a="http://schemas.openxmlformats.org/drawingml/2006/main" xmlns:r="http://schemas.openxmlformats.org/officeDocument/2006/relationships" xmlns:ac="http://schemas.microsoft.com/office/drawing/2013/main/command" xmlns:pc="http://schemas.microsoft.com/office/powerpoint/2013/main/command">
   <pc:docChgLst>
     <pc:chgData name="Ricardo de Souza" userId="96a52e1fd73dae03" providerId="LiveId" clId="{7AFFD105-4530-4FF2-88C8-0642D4E2DC73}"/>
     <pc:docChg chg="undo custSel modSld">
-      <pc:chgData name="Ricardo de Souza" userId="96a52e1fd73dae03" providerId="LiveId" clId="{7AFFD105-4530-4FF2-88C8-0642D4E2DC73}" dt="2023-11-10T22:08:12.769" v="10" actId="20577"/>
+      <pc:chgData name="Ricardo de Souza" userId="96a52e1fd73dae03" providerId="LiveId" clId="{7AFFD105-4530-4FF2-88C8-0642D4E2DC73}" dt="2023-11-13T11:22:18.510" v="86" actId="255"/>
       <pc:docMkLst>
         <pc:docMk/>
       </pc:docMkLst>
       <pc:sldChg chg="modSp mod">
-        <pc:chgData name="Ricardo de Souza" userId="96a52e1fd73dae03" providerId="LiveId" clId="{7AFFD105-4530-4FF2-88C8-0642D4E2DC73}" dt="2023-11-10T22:07:13.560" v="0" actId="207"/>
+        <pc:chgData name="Ricardo de Souza" userId="96a52e1fd73dae03" providerId="LiveId" clId="{7AFFD105-4530-4FF2-88C8-0642D4E2DC73}" dt="2023-11-13T11:17:55.842" v="27" actId="122"/>
         <pc:sldMkLst>
           <pc:docMk/>
           <pc:sldMk cId="3573358756" sldId="257"/>
         </pc:sldMkLst>
         <pc:spChg chg="mod">
-          <ac:chgData name="Ricardo de Souza" userId="96a52e1fd73dae03" providerId="LiveId" clId="{7AFFD105-4530-4FF2-88C8-0642D4E2DC73}" dt="2023-11-10T22:07:13.560" v="0" actId="207"/>
+          <ac:chgData name="Ricardo de Souza" userId="96a52e1fd73dae03" providerId="LiveId" clId="{7AFFD105-4530-4FF2-88C8-0642D4E2DC73}" dt="2023-11-13T11:17:55.842" v="27" actId="122"/>
           <ac:spMkLst>
             <pc:docMk/>
             <pc:sldMk cId="3573358756" sldId="257"/>
@@ -137,20 +145,124 @@
           </ac:spMkLst>
         </pc:spChg>
       </pc:sldChg>
-      <pc:sldChg chg="modSp mod">
-        <pc:chgData name="Ricardo de Souza" userId="96a52e1fd73dae03" providerId="LiveId" clId="{7AFFD105-4530-4FF2-88C8-0642D4E2DC73}" dt="2023-11-10T22:08:12.769" v="10" actId="20577"/>
+      <pc:sldChg chg="addSp delSp modSp mod">
+        <pc:chgData name="Ricardo de Souza" userId="96a52e1fd73dae03" providerId="LiveId" clId="{7AFFD105-4530-4FF2-88C8-0642D4E2DC73}" dt="2023-11-13T11:22:18.510" v="86" actId="255"/>
         <pc:sldMkLst>
           <pc:docMk/>
           <pc:sldMk cId="3133055350" sldId="258"/>
         </pc:sldMkLst>
         <pc:spChg chg="mod">
-          <ac:chgData name="Ricardo de Souza" userId="96a52e1fd73dae03" providerId="LiveId" clId="{7AFFD105-4530-4FF2-88C8-0642D4E2DC73}" dt="2023-11-10T22:08:12.769" v="10" actId="20577"/>
+          <ac:chgData name="Ricardo de Souza" userId="96a52e1fd73dae03" providerId="LiveId" clId="{7AFFD105-4530-4FF2-88C8-0642D4E2DC73}" dt="2023-11-13T11:17:40.561" v="25" actId="1076"/>
           <ac:spMkLst>
             <pc:docMk/>
             <pc:sldMk cId="3133055350" sldId="258"/>
             <ac:spMk id="2" creationId="{6B418DC4-3B02-53E7-7F60-383F9B05A5B3}"/>
           </ac:spMkLst>
         </pc:spChg>
+        <pc:spChg chg="mod">
+          <ac:chgData name="Ricardo de Souza" userId="96a52e1fd73dae03" providerId="LiveId" clId="{7AFFD105-4530-4FF2-88C8-0642D4E2DC73}" dt="2023-11-13T11:22:18.510" v="86" actId="255"/>
+          <ac:spMkLst>
+            <pc:docMk/>
+            <pc:sldMk cId="3133055350" sldId="258"/>
+            <ac:spMk id="5" creationId="{61060B4A-6E55-2938-3213-7725EB3F1420}"/>
+          </ac:spMkLst>
+        </pc:spChg>
+        <pc:spChg chg="add mod">
+          <ac:chgData name="Ricardo de Souza" userId="96a52e1fd73dae03" providerId="LiveId" clId="{7AFFD105-4530-4FF2-88C8-0642D4E2DC73}" dt="2023-11-13T11:19:07.763" v="36" actId="207"/>
+          <ac:spMkLst>
+            <pc:docMk/>
+            <pc:sldMk cId="3133055350" sldId="258"/>
+            <ac:spMk id="9" creationId="{C35D8D4C-5E18-7170-7B74-DED34D744019}"/>
+          </ac:spMkLst>
+        </pc:spChg>
+        <pc:spChg chg="add mod">
+          <ac:chgData name="Ricardo de Souza" userId="96a52e1fd73dae03" providerId="LiveId" clId="{7AFFD105-4530-4FF2-88C8-0642D4E2DC73}" dt="2023-11-13T11:19:45.757" v="42" actId="1076"/>
+          <ac:spMkLst>
+            <pc:docMk/>
+            <pc:sldMk cId="3133055350" sldId="258"/>
+            <ac:spMk id="11" creationId="{A8DA61FF-91F7-A28A-D00F-D4B1D8259F89}"/>
+          </ac:spMkLst>
+        </pc:spChg>
+        <pc:spChg chg="add mod">
+          <ac:chgData name="Ricardo de Souza" userId="96a52e1fd73dae03" providerId="LiveId" clId="{7AFFD105-4530-4FF2-88C8-0642D4E2DC73}" dt="2023-11-13T11:20:00.327" v="46" actId="207"/>
+          <ac:spMkLst>
+            <pc:docMk/>
+            <pc:sldMk cId="3133055350" sldId="258"/>
+            <ac:spMk id="13" creationId="{590BEE53-6D96-0DA1-B12A-D58ECD0ABB5D}"/>
+          </ac:spMkLst>
+        </pc:spChg>
+        <pc:spChg chg="add del mod">
+          <ac:chgData name="Ricardo de Souza" userId="96a52e1fd73dae03" providerId="LiveId" clId="{7AFFD105-4530-4FF2-88C8-0642D4E2DC73}" dt="2023-11-13T11:20:25.764" v="49" actId="478"/>
+          <ac:spMkLst>
+            <pc:docMk/>
+            <pc:sldMk cId="3133055350" sldId="258"/>
+            <ac:spMk id="14" creationId="{4AA1F436-F437-CCC5-8EB9-E947528F7D80}"/>
+          </ac:spMkLst>
+        </pc:spChg>
+        <pc:spChg chg="add mod">
+          <ac:chgData name="Ricardo de Souza" userId="96a52e1fd73dae03" providerId="LiveId" clId="{7AFFD105-4530-4FF2-88C8-0642D4E2DC73}" dt="2023-11-13T11:21:25.605" v="59" actId="207"/>
+          <ac:spMkLst>
+            <pc:docMk/>
+            <pc:sldMk cId="3133055350" sldId="258"/>
+            <ac:spMk id="20" creationId="{ABAE2430-D074-B09D-A892-5DF6CB53D707}"/>
+          </ac:spMkLst>
+        </pc:spChg>
+        <pc:cxnChg chg="add mod">
+          <ac:chgData name="Ricardo de Souza" userId="96a52e1fd73dae03" providerId="LiveId" clId="{7AFFD105-4530-4FF2-88C8-0642D4E2DC73}" dt="2023-11-13T11:18:59.468" v="35" actId="208"/>
+          <ac:cxnSpMkLst>
+            <pc:docMk/>
+            <pc:sldMk cId="3133055350" sldId="258"/>
+            <ac:cxnSpMk id="6" creationId="{FCCFF56C-E867-7035-62DC-D61BDEBBE3FF}"/>
+          </ac:cxnSpMkLst>
+        </pc:cxnChg>
+        <pc:cxnChg chg="del mod">
+          <ac:chgData name="Ricardo de Souza" userId="96a52e1fd73dae03" providerId="LiveId" clId="{7AFFD105-4530-4FF2-88C8-0642D4E2DC73}" dt="2023-11-13T11:17:01.078" v="16" actId="478"/>
+          <ac:cxnSpMkLst>
+            <pc:docMk/>
+            <pc:sldMk cId="3133055350" sldId="258"/>
+            <ac:cxnSpMk id="12" creationId="{A5FB537A-FA22-7968-B53A-D4FC1951AEF3}"/>
+          </ac:cxnSpMkLst>
+        </pc:cxnChg>
+        <pc:cxnChg chg="del">
+          <ac:chgData name="Ricardo de Souza" userId="96a52e1fd73dae03" providerId="LiveId" clId="{7AFFD105-4530-4FF2-88C8-0642D4E2DC73}" dt="2023-11-13T11:17:11.167" v="17" actId="478"/>
+          <ac:cxnSpMkLst>
+            <pc:docMk/>
+            <pc:sldMk cId="3133055350" sldId="258"/>
+            <ac:cxnSpMk id="15" creationId="{4BC76932-FC24-F899-CEF5-8714A92CB72B}"/>
+          </ac:cxnSpMkLst>
+        </pc:cxnChg>
+        <pc:cxnChg chg="del">
+          <ac:chgData name="Ricardo de Souza" userId="96a52e1fd73dae03" providerId="LiveId" clId="{7AFFD105-4530-4FF2-88C8-0642D4E2DC73}" dt="2023-11-13T11:17:12.441" v="18" actId="478"/>
+          <ac:cxnSpMkLst>
+            <pc:docMk/>
+            <pc:sldMk cId="3133055350" sldId="258"/>
+            <ac:cxnSpMk id="16" creationId="{229B0958-1B20-AC57-0612-8EBB4CCB2A30}"/>
+          </ac:cxnSpMkLst>
+        </pc:cxnChg>
+        <pc:cxnChg chg="del">
+          <ac:chgData name="Ricardo de Souza" userId="96a52e1fd73dae03" providerId="LiveId" clId="{7AFFD105-4530-4FF2-88C8-0642D4E2DC73}" dt="2023-11-13T11:17:13.467" v="19" actId="478"/>
+          <ac:cxnSpMkLst>
+            <pc:docMk/>
+            <pc:sldMk cId="3133055350" sldId="258"/>
+            <ac:cxnSpMk id="17" creationId="{1C9000D0-53F5-AD38-2C94-1C19F7523A02}"/>
+          </ac:cxnSpMkLst>
+        </pc:cxnChg>
+        <pc:cxnChg chg="del">
+          <ac:chgData name="Ricardo de Souza" userId="96a52e1fd73dae03" providerId="LiveId" clId="{7AFFD105-4530-4FF2-88C8-0642D4E2DC73}" dt="2023-11-13T11:17:14.523" v="20" actId="478"/>
+          <ac:cxnSpMkLst>
+            <pc:docMk/>
+            <pc:sldMk cId="3133055350" sldId="258"/>
+            <ac:cxnSpMk id="18" creationId="{14301032-FA57-6244-7650-0747F5B301B0}"/>
+          </ac:cxnSpMkLst>
+        </pc:cxnChg>
+        <pc:cxnChg chg="mod">
+          <ac:chgData name="Ricardo de Souza" userId="96a52e1fd73dae03" providerId="LiveId" clId="{7AFFD105-4530-4FF2-88C8-0642D4E2DC73}" dt="2023-11-13T11:21:33.466" v="60" actId="208"/>
+          <ac:cxnSpMkLst>
+            <pc:docMk/>
+            <pc:sldMk cId="3133055350" sldId="258"/>
+            <ac:cxnSpMk id="19" creationId="{6DA98DC6-D410-4D39-1A71-4CD8B06C2029}"/>
+          </ac:cxnSpMkLst>
+        </pc:cxnChg>
       </pc:sldChg>
     </pc:docChg>
   </pc:docChgLst>
@@ -304,7 +416,7 @@
           <a:p>
             <a:fld id="{240B345C-86A1-4774-BEA6-9229E796E3B7}" type="datetimeFigureOut">
               <a:rPr lang="pt-BR" smtClean="0"/>
-              <a:t>10/11/2023</a:t>
+              <a:t>13/11/2023</a:t>
             </a:fld>
             <a:endParaRPr lang="pt-BR"/>
           </a:p>
@@ -502,7 +614,7 @@
           <a:p>
             <a:fld id="{240B345C-86A1-4774-BEA6-9229E796E3B7}" type="datetimeFigureOut">
               <a:rPr lang="pt-BR" smtClean="0"/>
-              <a:t>10/11/2023</a:t>
+              <a:t>13/11/2023</a:t>
             </a:fld>
             <a:endParaRPr lang="pt-BR"/>
           </a:p>
@@ -710,7 +822,7 @@
           <a:p>
             <a:fld id="{240B345C-86A1-4774-BEA6-9229E796E3B7}" type="datetimeFigureOut">
               <a:rPr lang="pt-BR" smtClean="0"/>
-              <a:t>10/11/2023</a:t>
+              <a:t>13/11/2023</a:t>
             </a:fld>
             <a:endParaRPr lang="pt-BR"/>
           </a:p>
@@ -908,7 +1020,7 @@
           <a:p>
             <a:fld id="{240B345C-86A1-4774-BEA6-9229E796E3B7}" type="datetimeFigureOut">
               <a:rPr lang="pt-BR" smtClean="0"/>
-              <a:t>10/11/2023</a:t>
+              <a:t>13/11/2023</a:t>
             </a:fld>
             <a:endParaRPr lang="pt-BR"/>
           </a:p>
@@ -1183,7 +1295,7 @@
           <a:p>
             <a:fld id="{240B345C-86A1-4774-BEA6-9229E796E3B7}" type="datetimeFigureOut">
               <a:rPr lang="pt-BR" smtClean="0"/>
-              <a:t>10/11/2023</a:t>
+              <a:t>13/11/2023</a:t>
             </a:fld>
             <a:endParaRPr lang="pt-BR"/>
           </a:p>
@@ -1448,7 +1560,7 @@
           <a:p>
             <a:fld id="{240B345C-86A1-4774-BEA6-9229E796E3B7}" type="datetimeFigureOut">
               <a:rPr lang="pt-BR" smtClean="0"/>
-              <a:t>10/11/2023</a:t>
+              <a:t>13/11/2023</a:t>
             </a:fld>
             <a:endParaRPr lang="pt-BR"/>
           </a:p>
@@ -1860,7 +1972,7 @@
           <a:p>
             <a:fld id="{240B345C-86A1-4774-BEA6-9229E796E3B7}" type="datetimeFigureOut">
               <a:rPr lang="pt-BR" smtClean="0"/>
-              <a:t>10/11/2023</a:t>
+              <a:t>13/11/2023</a:t>
             </a:fld>
             <a:endParaRPr lang="pt-BR"/>
           </a:p>
@@ -2001,7 +2113,7 @@
           <a:p>
             <a:fld id="{240B345C-86A1-4774-BEA6-9229E796E3B7}" type="datetimeFigureOut">
               <a:rPr lang="pt-BR" smtClean="0"/>
-              <a:t>10/11/2023</a:t>
+              <a:t>13/11/2023</a:t>
             </a:fld>
             <a:endParaRPr lang="pt-BR"/>
           </a:p>
@@ -2114,7 +2226,7 @@
           <a:p>
             <a:fld id="{240B345C-86A1-4774-BEA6-9229E796E3B7}" type="datetimeFigureOut">
               <a:rPr lang="pt-BR" smtClean="0"/>
-              <a:t>10/11/2023</a:t>
+              <a:t>13/11/2023</a:t>
             </a:fld>
             <a:endParaRPr lang="pt-BR"/>
           </a:p>
@@ -2425,7 +2537,7 @@
           <a:p>
             <a:fld id="{240B345C-86A1-4774-BEA6-9229E796E3B7}" type="datetimeFigureOut">
               <a:rPr lang="pt-BR" smtClean="0"/>
-              <a:t>10/11/2023</a:t>
+              <a:t>13/11/2023</a:t>
             </a:fld>
             <a:endParaRPr lang="pt-BR"/>
           </a:p>
@@ -2713,7 +2825,7 @@
           <a:p>
             <a:fld id="{240B345C-86A1-4774-BEA6-9229E796E3B7}" type="datetimeFigureOut">
               <a:rPr lang="pt-BR" smtClean="0"/>
-              <a:t>10/11/2023</a:t>
+              <a:t>13/11/2023</a:t>
             </a:fld>
             <a:endParaRPr lang="pt-BR"/>
           </a:p>
@@ -2954,7 +3066,7 @@
           <a:p>
             <a:fld id="{240B345C-86A1-4774-BEA6-9229E796E3B7}" type="datetimeFigureOut">
               <a:rPr lang="pt-BR" smtClean="0"/>
-              <a:t>10/11/2023</a:t>
+              <a:t>13/11/2023</a:t>
             </a:fld>
             <a:endParaRPr lang="pt-BR"/>
           </a:p>
@@ -4531,7 +4643,7 @@
           </a:prstGeom>
           <a:solidFill>
             <a:schemeClr val="accent6">
-              <a:lumMod val="75000"/>
+              <a:lumMod val="50000"/>
             </a:schemeClr>
           </a:solidFill>
         </p:spPr>
@@ -4557,8 +4669,8 @@
           <a:p>
             <a:pPr algn="ctr"/>
             <a:r>
-              <a:rPr lang="pt-BR" dirty="0"/>
-              <a:t>Próxima figura</a:t>
+              <a:rPr lang="pt-BR" sz="1800" b="1" dirty="0"/>
+              <a:t>SBD NÃO complicada</a:t>
             </a:r>
           </a:p>
         </p:txBody>
@@ -4752,7 +4864,7 @@
         </p:nvSpPr>
         <p:spPr>
           <a:xfrm>
-            <a:off x="195456" y="2158118"/>
+            <a:off x="83100" y="634497"/>
             <a:ext cx="2269475" cy="707886"/>
           </a:xfrm>
           <a:prstGeom prst="rect">
@@ -4909,7 +5021,7 @@
           </a:p>
           <a:p>
             <a:r>
-              <a:rPr lang="pt-BR" sz="1600" b="1" dirty="0">
+              <a:rPr lang="pt-BR" sz="1500" b="1" dirty="0">
                 <a:solidFill>
                   <a:schemeClr val="bg1"/>
                 </a:solidFill>
@@ -4918,7 +5030,7 @@
             </a:r>
           </a:p>
           <a:p>
-            <a:endParaRPr lang="pt-BR" sz="1600" dirty="0">
+            <a:endParaRPr lang="pt-BR" sz="1500" dirty="0">
               <a:solidFill>
                 <a:schemeClr val="bg1"/>
               </a:solidFill>
@@ -4926,7 +5038,7 @@
           </a:p>
           <a:p>
             <a:r>
-              <a:rPr lang="pt-BR" sz="1600" dirty="0">
+              <a:rPr lang="pt-BR" sz="1500" dirty="0">
                 <a:solidFill>
                   <a:schemeClr val="bg1"/>
                 </a:solidFill>
@@ -4934,7 +5046,7 @@
               <a:t>Amitriptilina, Cimetidina, </a:t>
             </a:r>
             <a:r>
-              <a:rPr lang="pt-BR" sz="1600" dirty="0" err="1">
+              <a:rPr lang="pt-BR" sz="1500" dirty="0" err="1">
                 <a:solidFill>
                   <a:schemeClr val="bg1"/>
                 </a:solidFill>
@@ -4942,7 +5054,7 @@
               <a:t>Hidroxozina</a:t>
             </a:r>
             <a:r>
-              <a:rPr lang="pt-BR" sz="1600" dirty="0">
+              <a:rPr lang="pt-BR" sz="1500" dirty="0">
                 <a:solidFill>
                   <a:schemeClr val="bg1"/>
                 </a:solidFill>
@@ -4950,29 +5062,32 @@
               <a:t>, </a:t>
             </a:r>
             <a:r>
-              <a:rPr lang="pt-BR" sz="1600" dirty="0" err="1">
+              <a:rPr lang="pt-BR" sz="1500" dirty="0" err="1">
                 <a:solidFill>
                   <a:schemeClr val="bg1"/>
                 </a:solidFill>
               </a:rPr>
               <a:t>Pentosan</a:t>
             </a:r>
-            <a:endParaRPr lang="pt-BR" sz="1600" dirty="0">
+            <a:r>
+              <a:rPr lang="pt-BR" sz="1500" dirty="0">
+                <a:solidFill>
+                  <a:schemeClr val="bg1"/>
+                </a:solidFill>
+              </a:rPr>
+              <a:t> (PPS)</a:t>
+            </a:r>
+          </a:p>
+          <a:p>
+            <a:endParaRPr lang="pt-BR" sz="1500" dirty="0">
               <a:solidFill>
                 <a:schemeClr val="bg1"/>
               </a:solidFill>
             </a:endParaRPr>
           </a:p>
           <a:p>
-            <a:endParaRPr lang="pt-BR" sz="1600" dirty="0">
-              <a:solidFill>
-                <a:schemeClr val="bg1"/>
-              </a:solidFill>
-            </a:endParaRPr>
-          </a:p>
-          <a:p>
-            <a:r>
-              <a:rPr lang="pt-BR" sz="1600" dirty="0">
+            <a:r>
+              <a:rPr lang="pt-BR" sz="1500" dirty="0">
                 <a:solidFill>
                   <a:schemeClr val="bg1"/>
                 </a:solidFill>
@@ -5287,49 +5402,10 @@
       </p:sp>
       <p:cxnSp>
         <p:nvCxnSpPr>
-          <p:cNvPr id="12" name="Conector reto 11">
-            <a:extLst>
-              <a:ext uri="{FF2B5EF4-FFF2-40B4-BE49-F238E27FC236}">
-                <a16:creationId xmlns:a16="http://schemas.microsoft.com/office/drawing/2014/main" id="{A5FB537A-FA22-7968-B53A-D4FC1951AEF3}"/>
-              </a:ext>
-            </a:extLst>
-          </p:cNvPr>
-          <p:cNvCxnSpPr>
-            <a:cxnSpLocks/>
-          </p:cNvCxnSpPr>
-          <p:nvPr/>
-        </p:nvCxnSpPr>
-        <p:spPr>
-          <a:xfrm>
-            <a:off x="1773716" y="749147"/>
-            <a:ext cx="0" cy="3812166"/>
-          </a:xfrm>
-          <a:prstGeom prst="line">
-            <a:avLst/>
-          </a:prstGeom>
-          <a:ln w="38100"/>
-        </p:spPr>
-        <p:style>
-          <a:lnRef idx="3">
-            <a:schemeClr val="accent6"/>
-          </a:lnRef>
-          <a:fillRef idx="0">
-            <a:schemeClr val="accent6"/>
-          </a:fillRef>
-          <a:effectRef idx="2">
-            <a:schemeClr val="accent6"/>
-          </a:effectRef>
-          <a:fontRef idx="minor">
-            <a:schemeClr val="tx1"/>
-          </a:fontRef>
-        </p:style>
-      </p:cxnSp>
-      <p:cxnSp>
-        <p:nvCxnSpPr>
-          <p:cNvPr id="15" name="Conector de Seta Reta 14">
-            <a:extLst>
-              <a:ext uri="{FF2B5EF4-FFF2-40B4-BE49-F238E27FC236}">
-                <a16:creationId xmlns:a16="http://schemas.microsoft.com/office/drawing/2014/main" id="{4BC76932-FC24-F899-CEF5-8714A92CB72B}"/>
+          <p:cNvPr id="19" name="Conector de Seta Reta 18">
+            <a:extLst>
+              <a:ext uri="{FF2B5EF4-FFF2-40B4-BE49-F238E27FC236}">
+                <a16:creationId xmlns:a16="http://schemas.microsoft.com/office/drawing/2014/main" id="{6DA98DC6-D410-4D39-1A71-4CD8B06C2029}"/>
               </a:ext>
             </a:extLst>
           </p:cNvPr>
@@ -5338,169 +5414,18 @@
         </p:nvCxnSpPr>
         <p:spPr>
           <a:xfrm>
-            <a:off x="1773716" y="749147"/>
+            <a:off x="7037943" y="2584264"/>
             <a:ext cx="484742" cy="0"/>
           </a:xfrm>
           <a:prstGeom prst="straightConnector1">
             <a:avLst/>
           </a:prstGeom>
-          <a:ln>
-            <a:tailEnd type="triangle"/>
-          </a:ln>
-        </p:spPr>
-        <p:style>
-          <a:lnRef idx="3">
-            <a:schemeClr val="accent6"/>
-          </a:lnRef>
-          <a:fillRef idx="0">
-            <a:schemeClr val="accent6"/>
-          </a:fillRef>
-          <a:effectRef idx="2">
-            <a:schemeClr val="accent6"/>
-          </a:effectRef>
-          <a:fontRef idx="minor">
-            <a:schemeClr val="tx1"/>
-          </a:fontRef>
-        </p:style>
-      </p:cxnSp>
-      <p:cxnSp>
-        <p:nvCxnSpPr>
-          <p:cNvPr id="16" name="Conector de Seta Reta 15">
-            <a:extLst>
-              <a:ext uri="{FF2B5EF4-FFF2-40B4-BE49-F238E27FC236}">
-                <a16:creationId xmlns:a16="http://schemas.microsoft.com/office/drawing/2014/main" id="{229B0958-1B20-AC57-0612-8EBB4CCB2A30}"/>
-              </a:ext>
-            </a:extLst>
-          </p:cNvPr>
-          <p:cNvCxnSpPr/>
-          <p:nvPr/>
-        </p:nvCxnSpPr>
-        <p:spPr>
-          <a:xfrm>
-            <a:off x="1773716" y="2476959"/>
-            <a:ext cx="484742" cy="0"/>
-          </a:xfrm>
-          <a:prstGeom prst="straightConnector1">
-            <a:avLst/>
-          </a:prstGeom>
-          <a:ln>
-            <a:tailEnd type="triangle"/>
-          </a:ln>
-        </p:spPr>
-        <p:style>
-          <a:lnRef idx="3">
-            <a:schemeClr val="accent6"/>
-          </a:lnRef>
-          <a:fillRef idx="0">
-            <a:schemeClr val="accent6"/>
-          </a:fillRef>
-          <a:effectRef idx="2">
-            <a:schemeClr val="accent6"/>
-          </a:effectRef>
-          <a:fontRef idx="minor">
-            <a:schemeClr val="tx1"/>
-          </a:fontRef>
-        </p:style>
-      </p:cxnSp>
-      <p:cxnSp>
-        <p:nvCxnSpPr>
-          <p:cNvPr id="17" name="Conector de Seta Reta 16">
-            <a:extLst>
-              <a:ext uri="{FF2B5EF4-FFF2-40B4-BE49-F238E27FC236}">
-                <a16:creationId xmlns:a16="http://schemas.microsoft.com/office/drawing/2014/main" id="{1C9000D0-53F5-AD38-2C94-1C19F7523A02}"/>
-              </a:ext>
-            </a:extLst>
-          </p:cNvPr>
-          <p:cNvCxnSpPr/>
-          <p:nvPr/>
-        </p:nvCxnSpPr>
-        <p:spPr>
-          <a:xfrm>
-            <a:off x="1773716" y="3713658"/>
-            <a:ext cx="484742" cy="0"/>
-          </a:xfrm>
-          <a:prstGeom prst="straightConnector1">
-            <a:avLst/>
-          </a:prstGeom>
-          <a:ln>
-            <a:tailEnd type="triangle"/>
-          </a:ln>
-        </p:spPr>
-        <p:style>
-          <a:lnRef idx="3">
-            <a:schemeClr val="accent6"/>
-          </a:lnRef>
-          <a:fillRef idx="0">
-            <a:schemeClr val="accent6"/>
-          </a:fillRef>
-          <a:effectRef idx="2">
-            <a:schemeClr val="accent6"/>
-          </a:effectRef>
-          <a:fontRef idx="minor">
-            <a:schemeClr val="tx1"/>
-          </a:fontRef>
-        </p:style>
-      </p:cxnSp>
-      <p:cxnSp>
-        <p:nvCxnSpPr>
-          <p:cNvPr id="18" name="Conector de Seta Reta 17">
-            <a:extLst>
-              <a:ext uri="{FF2B5EF4-FFF2-40B4-BE49-F238E27FC236}">
-                <a16:creationId xmlns:a16="http://schemas.microsoft.com/office/drawing/2014/main" id="{14301032-FA57-6244-7650-0747F5B301B0}"/>
-              </a:ext>
-            </a:extLst>
-          </p:cNvPr>
-          <p:cNvCxnSpPr/>
-          <p:nvPr/>
-        </p:nvCxnSpPr>
-        <p:spPr>
-          <a:xfrm>
-            <a:off x="1773716" y="4561313"/>
-            <a:ext cx="484742" cy="0"/>
-          </a:xfrm>
-          <a:prstGeom prst="straightConnector1">
-            <a:avLst/>
-          </a:prstGeom>
-          <a:ln>
-            <a:tailEnd type="triangle"/>
-          </a:ln>
-        </p:spPr>
-        <p:style>
-          <a:lnRef idx="3">
-            <a:schemeClr val="accent6"/>
-          </a:lnRef>
-          <a:fillRef idx="0">
-            <a:schemeClr val="accent6"/>
-          </a:fillRef>
-          <a:effectRef idx="2">
-            <a:schemeClr val="accent6"/>
-          </a:effectRef>
-          <a:fontRef idx="minor">
-            <a:schemeClr val="tx1"/>
-          </a:fontRef>
-        </p:style>
-      </p:cxnSp>
-      <p:cxnSp>
-        <p:nvCxnSpPr>
-          <p:cNvPr id="19" name="Conector de Seta Reta 18">
-            <a:extLst>
-              <a:ext uri="{FF2B5EF4-FFF2-40B4-BE49-F238E27FC236}">
-                <a16:creationId xmlns:a16="http://schemas.microsoft.com/office/drawing/2014/main" id="{6DA98DC6-D410-4D39-1A71-4CD8B06C2029}"/>
-              </a:ext>
-            </a:extLst>
-          </p:cNvPr>
-          <p:cNvCxnSpPr/>
-          <p:nvPr/>
-        </p:nvCxnSpPr>
-        <p:spPr>
-          <a:xfrm>
-            <a:off x="7037943" y="2584264"/>
-            <a:ext cx="484742" cy="0"/>
-          </a:xfrm>
-          <a:prstGeom prst="straightConnector1">
-            <a:avLst/>
-          </a:prstGeom>
-          <a:ln>
+          <a:ln w="76200">
+            <a:solidFill>
+              <a:schemeClr val="accent6">
+                <a:lumMod val="75000"/>
+              </a:schemeClr>
+            </a:solidFill>
             <a:tailEnd type="triangle"/>
           </a:ln>
         </p:spPr>
@@ -5570,6 +5495,283 @@
               <a:rPr lang="pt-BR" dirty="0"/>
               <a:t>Considerando PPS, os pacientes devem ser informados do RISCO potencial de dano ocular e perda da visão</a:t>
             </a:r>
+          </a:p>
+        </p:txBody>
+      </p:sp>
+      <p:cxnSp>
+        <p:nvCxnSpPr>
+          <p:cNvPr id="6" name="Conector de Seta Reta 5">
+            <a:extLst>
+              <a:ext uri="{FF2B5EF4-FFF2-40B4-BE49-F238E27FC236}">
+                <a16:creationId xmlns:a16="http://schemas.microsoft.com/office/drawing/2014/main" id="{FCCFF56C-E867-7035-62DC-D61BDEBBE3FF}"/>
+              </a:ext>
+            </a:extLst>
+          </p:cNvPr>
+          <p:cNvCxnSpPr/>
+          <p:nvPr/>
+        </p:nvCxnSpPr>
+        <p:spPr>
+          <a:xfrm>
+            <a:off x="1621750" y="961356"/>
+            <a:ext cx="484742" cy="0"/>
+          </a:xfrm>
+          <a:prstGeom prst="straightConnector1">
+            <a:avLst/>
+          </a:prstGeom>
+          <a:ln w="76200">
+            <a:solidFill>
+              <a:schemeClr val="bg2">
+                <a:lumMod val="10000"/>
+              </a:schemeClr>
+            </a:solidFill>
+            <a:tailEnd type="triangle"/>
+          </a:ln>
+        </p:spPr>
+        <p:style>
+          <a:lnRef idx="3">
+            <a:schemeClr val="accent6"/>
+          </a:lnRef>
+          <a:fillRef idx="0">
+            <a:schemeClr val="accent6"/>
+          </a:fillRef>
+          <a:effectRef idx="2">
+            <a:schemeClr val="accent6"/>
+          </a:effectRef>
+          <a:fontRef idx="minor">
+            <a:schemeClr val="tx1"/>
+          </a:fontRef>
+        </p:style>
+      </p:cxnSp>
+      <p:sp>
+        <p:nvSpPr>
+          <p:cNvPr id="9" name="Seta: Curva para a Direita 8">
+            <a:extLst>
+              <a:ext uri="{FF2B5EF4-FFF2-40B4-BE49-F238E27FC236}">
+                <a16:creationId xmlns:a16="http://schemas.microsoft.com/office/drawing/2014/main" id="{C35D8D4C-5E18-7170-7B74-DED34D744019}"/>
+              </a:ext>
+            </a:extLst>
+          </p:cNvPr>
+          <p:cNvSpPr/>
+          <p:nvPr/>
+        </p:nvSpPr>
+        <p:spPr>
+          <a:xfrm>
+            <a:off x="1650057" y="1288216"/>
+            <a:ext cx="504456" cy="1114061"/>
+          </a:xfrm>
+          <a:prstGeom prst="curvedRightArrow">
+            <a:avLst>
+              <a:gd name="adj1" fmla="val 25000"/>
+              <a:gd name="adj2" fmla="val 50000"/>
+              <a:gd name="adj3" fmla="val 27809"/>
+            </a:avLst>
+          </a:prstGeom>
+          <a:solidFill>
+            <a:schemeClr val="accent6">
+              <a:lumMod val="50000"/>
+            </a:schemeClr>
+          </a:solidFill>
+        </p:spPr>
+        <p:style>
+          <a:lnRef idx="2">
+            <a:schemeClr val="accent1">
+              <a:shade val="15000"/>
+            </a:schemeClr>
+          </a:lnRef>
+          <a:fillRef idx="1">
+            <a:schemeClr val="accent1"/>
+          </a:fillRef>
+          <a:effectRef idx="0">
+            <a:schemeClr val="accent1"/>
+          </a:effectRef>
+          <a:fontRef idx="minor">
+            <a:schemeClr val="lt1"/>
+          </a:fontRef>
+        </p:style>
+        <p:txBody>
+          <a:bodyPr rtlCol="0" anchor="ctr"/>
+          <a:lstStyle/>
+          <a:p>
+            <a:pPr algn="ctr"/>
+            <a:endParaRPr lang="pt-BR">
+              <a:solidFill>
+                <a:schemeClr val="tx1"/>
+              </a:solidFill>
+            </a:endParaRPr>
+          </a:p>
+        </p:txBody>
+      </p:sp>
+      <p:sp>
+        <p:nvSpPr>
+          <p:cNvPr id="11" name="Seta: Curva para a Direita 10">
+            <a:extLst>
+              <a:ext uri="{FF2B5EF4-FFF2-40B4-BE49-F238E27FC236}">
+                <a16:creationId xmlns:a16="http://schemas.microsoft.com/office/drawing/2014/main" id="{A8DA61FF-91F7-A28A-D00F-D4B1D8259F89}"/>
+              </a:ext>
+            </a:extLst>
+          </p:cNvPr>
+          <p:cNvSpPr/>
+          <p:nvPr/>
+        </p:nvSpPr>
+        <p:spPr>
+          <a:xfrm>
+            <a:off x="1650057" y="2795468"/>
+            <a:ext cx="504456" cy="918190"/>
+          </a:xfrm>
+          <a:prstGeom prst="curvedRightArrow">
+            <a:avLst>
+              <a:gd name="adj1" fmla="val 25000"/>
+              <a:gd name="adj2" fmla="val 50000"/>
+              <a:gd name="adj3" fmla="val 33919"/>
+            </a:avLst>
+          </a:prstGeom>
+          <a:solidFill>
+            <a:schemeClr val="accent6">
+              <a:lumMod val="75000"/>
+            </a:schemeClr>
+          </a:solidFill>
+        </p:spPr>
+        <p:style>
+          <a:lnRef idx="2">
+            <a:schemeClr val="accent1">
+              <a:shade val="15000"/>
+            </a:schemeClr>
+          </a:lnRef>
+          <a:fillRef idx="1">
+            <a:schemeClr val="accent1"/>
+          </a:fillRef>
+          <a:effectRef idx="0">
+            <a:schemeClr val="accent1"/>
+          </a:effectRef>
+          <a:fontRef idx="minor">
+            <a:schemeClr val="lt1"/>
+          </a:fontRef>
+        </p:style>
+        <p:txBody>
+          <a:bodyPr rtlCol="0" anchor="ctr"/>
+          <a:lstStyle/>
+          <a:p>
+            <a:pPr algn="ctr"/>
+            <a:endParaRPr lang="pt-BR">
+              <a:solidFill>
+                <a:schemeClr val="tx1"/>
+              </a:solidFill>
+            </a:endParaRPr>
+          </a:p>
+        </p:txBody>
+      </p:sp>
+      <p:sp>
+        <p:nvSpPr>
+          <p:cNvPr id="13" name="Seta: Curva para a Direita 12">
+            <a:extLst>
+              <a:ext uri="{FF2B5EF4-FFF2-40B4-BE49-F238E27FC236}">
+                <a16:creationId xmlns:a16="http://schemas.microsoft.com/office/drawing/2014/main" id="{590BEE53-6D96-0DA1-B12A-D58ECD0ABB5D}"/>
+              </a:ext>
+            </a:extLst>
+          </p:cNvPr>
+          <p:cNvSpPr/>
+          <p:nvPr/>
+        </p:nvSpPr>
+        <p:spPr>
+          <a:xfrm>
+            <a:off x="1650057" y="3872542"/>
+            <a:ext cx="504456" cy="802200"/>
+          </a:xfrm>
+          <a:prstGeom prst="curvedRightArrow">
+            <a:avLst>
+              <a:gd name="adj1" fmla="val 25000"/>
+              <a:gd name="adj2" fmla="val 50000"/>
+              <a:gd name="adj3" fmla="val 33919"/>
+            </a:avLst>
+          </a:prstGeom>
+          <a:solidFill>
+            <a:schemeClr val="accent6">
+              <a:lumMod val="60000"/>
+              <a:lumOff val="40000"/>
+            </a:schemeClr>
+          </a:solidFill>
+        </p:spPr>
+        <p:style>
+          <a:lnRef idx="2">
+            <a:schemeClr val="accent1">
+              <a:shade val="15000"/>
+            </a:schemeClr>
+          </a:lnRef>
+          <a:fillRef idx="1">
+            <a:schemeClr val="accent1"/>
+          </a:fillRef>
+          <a:effectRef idx="0">
+            <a:schemeClr val="accent1"/>
+          </a:effectRef>
+          <a:fontRef idx="minor">
+            <a:schemeClr val="lt1"/>
+          </a:fontRef>
+        </p:style>
+        <p:txBody>
+          <a:bodyPr rtlCol="0" anchor="ctr"/>
+          <a:lstStyle/>
+          <a:p>
+            <a:pPr algn="ctr"/>
+            <a:endParaRPr lang="pt-BR">
+              <a:solidFill>
+                <a:schemeClr val="tx1"/>
+              </a:solidFill>
+            </a:endParaRPr>
+          </a:p>
+        </p:txBody>
+      </p:sp>
+      <p:sp>
+        <p:nvSpPr>
+          <p:cNvPr id="20" name="Seta: Dobrada para Cima 19">
+            <a:extLst>
+              <a:ext uri="{FF2B5EF4-FFF2-40B4-BE49-F238E27FC236}">
+                <a16:creationId xmlns:a16="http://schemas.microsoft.com/office/drawing/2014/main" id="{ABAE2430-D074-B09D-A892-5DF6CB53D707}"/>
+              </a:ext>
+            </a:extLst>
+          </p:cNvPr>
+          <p:cNvSpPr/>
+          <p:nvPr/>
+        </p:nvSpPr>
+        <p:spPr>
+          <a:xfrm rot="5400000">
+            <a:off x="4940157" y="5116531"/>
+            <a:ext cx="909264" cy="1402422"/>
+          </a:xfrm>
+          <a:prstGeom prst="bentUpArrow">
+            <a:avLst>
+              <a:gd name="adj1" fmla="val 11253"/>
+              <a:gd name="adj2" fmla="val 18605"/>
+              <a:gd name="adj3" fmla="val 25000"/>
+            </a:avLst>
+          </a:prstGeom>
+          <a:solidFill>
+            <a:schemeClr val="accent2">
+              <a:lumMod val="50000"/>
+            </a:schemeClr>
+          </a:solidFill>
+        </p:spPr>
+        <p:style>
+          <a:lnRef idx="2">
+            <a:schemeClr val="accent1">
+              <a:shade val="15000"/>
+            </a:schemeClr>
+          </a:lnRef>
+          <a:fillRef idx="1">
+            <a:schemeClr val="accent1"/>
+          </a:fillRef>
+          <a:effectRef idx="0">
+            <a:schemeClr val="accent1"/>
+          </a:effectRef>
+          <a:fontRef idx="minor">
+            <a:schemeClr val="lt1"/>
+          </a:fontRef>
+        </p:style>
+        <p:txBody>
+          <a:bodyPr rtlCol="0" anchor="ctr"/>
+          <a:lstStyle/>
+          <a:p>
+            <a:pPr algn="ctr"/>
+            <a:endParaRPr lang="pt-BR"/>
           </a:p>
         </p:txBody>
       </p:sp>

--- a/Figuras/SBD.pptx
+++ b/Figuras/SBD.pptx
@@ -111,14 +111,6 @@
     </p:ext>
   </p:extLst>
 </p:presentation>
-</file>
-
-<file path=ppt/revisionInfo.xml><?xml version="1.0" encoding="utf-8"?>
-<p1510:revInfo xmlns:a="http://schemas.openxmlformats.org/drawingml/2006/main" xmlns:r="http://schemas.openxmlformats.org/officeDocument/2006/relationships" xmlns:p1510="http://schemas.microsoft.com/office/powerpoint/2015/10/main">
-  <p1510:revLst>
-    <p1510:client id="{7AFFD105-4530-4FF2-88C8-0642D4E2DC73}" v="4" dt="2023-11-13T11:20:08.765"/>
-  </p1510:revLst>
-</p1510:revInfo>
 </file>
 
 <file path=ppt/changesInfos/changesInfo1.xml><?xml version="1.0" encoding="utf-8"?>
@@ -266,6 +258,30 @@
       </pc:sldChg>
     </pc:docChg>
   </pc:docChgLst>
+  <pc:docChgLst>
+    <pc:chgData name="Ricardo de Souza" userId="96a52e1fd73dae03" providerId="LiveId" clId="{1A537FF1-4651-4348-8CED-25E28DE3B969}"/>
+    <pc:docChg chg="custSel modSld">
+      <pc:chgData name="Ricardo de Souza" userId="96a52e1fd73dae03" providerId="LiveId" clId="{1A537FF1-4651-4348-8CED-25E28DE3B969}" dt="2023-12-26T18:30:28.985" v="0" actId="313"/>
+      <pc:docMkLst>
+        <pc:docMk/>
+      </pc:docMkLst>
+      <pc:sldChg chg="modSp mod">
+        <pc:chgData name="Ricardo de Souza" userId="96a52e1fd73dae03" providerId="LiveId" clId="{1A537FF1-4651-4348-8CED-25E28DE3B969}" dt="2023-12-26T18:30:28.985" v="0" actId="313"/>
+        <pc:sldMkLst>
+          <pc:docMk/>
+          <pc:sldMk cId="3133055350" sldId="258"/>
+        </pc:sldMkLst>
+        <pc:spChg chg="mod">
+          <ac:chgData name="Ricardo de Souza" userId="96a52e1fd73dae03" providerId="LiveId" clId="{1A537FF1-4651-4348-8CED-25E28DE3B969}" dt="2023-12-26T18:30:28.985" v="0" actId="313"/>
+          <ac:spMkLst>
+            <pc:docMk/>
+            <pc:sldMk cId="3133055350" sldId="258"/>
+            <ac:spMk id="8" creationId="{D07DDE39-8247-4211-CC49-1732B9353644}"/>
+          </ac:spMkLst>
+        </pc:spChg>
+      </pc:sldChg>
+    </pc:docChg>
+  </pc:docChgLst>
 </pc:chgInfo>
 </file>
 
@@ -416,7 +432,7 @@
           <a:p>
             <a:fld id="{240B345C-86A1-4774-BEA6-9229E796E3B7}" type="datetimeFigureOut">
               <a:rPr lang="pt-BR" smtClean="0"/>
-              <a:t>13/11/2023</a:t>
+              <a:t>26/12/2023</a:t>
             </a:fld>
             <a:endParaRPr lang="pt-BR"/>
           </a:p>
@@ -614,7 +630,7 @@
           <a:p>
             <a:fld id="{240B345C-86A1-4774-BEA6-9229E796E3B7}" type="datetimeFigureOut">
               <a:rPr lang="pt-BR" smtClean="0"/>
-              <a:t>13/11/2023</a:t>
+              <a:t>26/12/2023</a:t>
             </a:fld>
             <a:endParaRPr lang="pt-BR"/>
           </a:p>
@@ -822,7 +838,7 @@
           <a:p>
             <a:fld id="{240B345C-86A1-4774-BEA6-9229E796E3B7}" type="datetimeFigureOut">
               <a:rPr lang="pt-BR" smtClean="0"/>
-              <a:t>13/11/2023</a:t>
+              <a:t>26/12/2023</a:t>
             </a:fld>
             <a:endParaRPr lang="pt-BR"/>
           </a:p>
@@ -1020,7 +1036,7 @@
           <a:p>
             <a:fld id="{240B345C-86A1-4774-BEA6-9229E796E3B7}" type="datetimeFigureOut">
               <a:rPr lang="pt-BR" smtClean="0"/>
-              <a:t>13/11/2023</a:t>
+              <a:t>26/12/2023</a:t>
             </a:fld>
             <a:endParaRPr lang="pt-BR"/>
           </a:p>
@@ -1295,7 +1311,7 @@
           <a:p>
             <a:fld id="{240B345C-86A1-4774-BEA6-9229E796E3B7}" type="datetimeFigureOut">
               <a:rPr lang="pt-BR" smtClean="0"/>
-              <a:t>13/11/2023</a:t>
+              <a:t>26/12/2023</a:t>
             </a:fld>
             <a:endParaRPr lang="pt-BR"/>
           </a:p>
@@ -1560,7 +1576,7 @@
           <a:p>
             <a:fld id="{240B345C-86A1-4774-BEA6-9229E796E3B7}" type="datetimeFigureOut">
               <a:rPr lang="pt-BR" smtClean="0"/>
-              <a:t>13/11/2023</a:t>
+              <a:t>26/12/2023</a:t>
             </a:fld>
             <a:endParaRPr lang="pt-BR"/>
           </a:p>
@@ -1972,7 +1988,7 @@
           <a:p>
             <a:fld id="{240B345C-86A1-4774-BEA6-9229E796E3B7}" type="datetimeFigureOut">
               <a:rPr lang="pt-BR" smtClean="0"/>
-              <a:t>13/11/2023</a:t>
+              <a:t>26/12/2023</a:t>
             </a:fld>
             <a:endParaRPr lang="pt-BR"/>
           </a:p>
@@ -2113,7 +2129,7 @@
           <a:p>
             <a:fld id="{240B345C-86A1-4774-BEA6-9229E796E3B7}" type="datetimeFigureOut">
               <a:rPr lang="pt-BR" smtClean="0"/>
-              <a:t>13/11/2023</a:t>
+              <a:t>26/12/2023</a:t>
             </a:fld>
             <a:endParaRPr lang="pt-BR"/>
           </a:p>
@@ -2226,7 +2242,7 @@
           <a:p>
             <a:fld id="{240B345C-86A1-4774-BEA6-9229E796E3B7}" type="datetimeFigureOut">
               <a:rPr lang="pt-BR" smtClean="0"/>
-              <a:t>13/11/2023</a:t>
+              <a:t>26/12/2023</a:t>
             </a:fld>
             <a:endParaRPr lang="pt-BR"/>
           </a:p>
@@ -2537,7 +2553,7 @@
           <a:p>
             <a:fld id="{240B345C-86A1-4774-BEA6-9229E796E3B7}" type="datetimeFigureOut">
               <a:rPr lang="pt-BR" smtClean="0"/>
-              <a:t>13/11/2023</a:t>
+              <a:t>26/12/2023</a:t>
             </a:fld>
             <a:endParaRPr lang="pt-BR"/>
           </a:p>
@@ -2825,7 +2841,7 @@
           <a:p>
             <a:fld id="{240B345C-86A1-4774-BEA6-9229E796E3B7}" type="datetimeFigureOut">
               <a:rPr lang="pt-BR" smtClean="0"/>
-              <a:t>13/11/2023</a:t>
+              <a:t>26/12/2023</a:t>
             </a:fld>
             <a:endParaRPr lang="pt-BR"/>
           </a:p>
@@ -3066,7 +3082,7 @@
           <a:p>
             <a:fld id="{240B345C-86A1-4774-BEA6-9229E796E3B7}" type="datetimeFigureOut">
               <a:rPr lang="pt-BR" smtClean="0"/>
-              <a:t>13/11/2023</a:t>
+              <a:t>26/12/2023</a:t>
             </a:fld>
             <a:endParaRPr lang="pt-BR"/>
           </a:p>
@@ -5278,21 +5294,8 @@
                   <a:schemeClr val="bg1"/>
                 </a:solidFill>
               </a:rPr>
-              <a:t> com </a:t>
-            </a:r>
-            <a:r>
-              <a:rPr lang="pt-BR" dirty="0" err="1">
-                <a:solidFill>
-                  <a:schemeClr val="bg1"/>
-                </a:solidFill>
-              </a:rPr>
-              <a:t>cistosplatia</a:t>
-            </a:r>
-            <a:endParaRPr lang="pt-BR" dirty="0">
-              <a:solidFill>
-                <a:schemeClr val="bg1"/>
-              </a:solidFill>
-            </a:endParaRPr>
+              <a:t> com cistoplastia</a:t>
+            </a:r>
           </a:p>
         </p:txBody>
       </p:sp>
